--- a/database/slides/GLORIA_(POLKA_GLORY).pptx
+++ b/database/slides/GLORIA_(POLKA_GLORY).pptx
@@ -15777,7 +15777,13 @@
       </p:sp>
       <p:sp>
         <p:nvSpPr>
-          <p:cNvPr id="131" name="Google Shape;131;p25"/>
+          <p:cNvPr id="2" name="Google Shape;131;p25">
+            <a:extLst>
+              <a:ext uri="{FF2B5EF4-FFF2-40B4-BE49-F238E27FC236}">
+                <a16:creationId xmlns:a16="http://schemas.microsoft.com/office/drawing/2014/main" id="{D64B0B82-30EB-A1FF-3C3B-805D5C49DFA6}"/>
+              </a:ext>
+            </a:extLst>
+          </p:cNvPr>
           <p:cNvSpPr txBox="1"/>
           <p:nvPr/>
         </p:nvSpPr>
@@ -15815,7 +15821,7 @@
               <a:buNone/>
             </a:pPr>
             <a:r>
-              <a:rPr lang="en-GB" sz="3600" b="1" i="1">
+              <a:rPr lang="en-GB" sz="3600" b="1" i="1" dirty="0">
                 <a:solidFill>
                   <a:srgbClr val="FFFF00"/>
                 </a:solidFill>
@@ -15826,7 +15832,7 @@
               </a:rPr>
               <a:t>contd..</a:t>
             </a:r>
-            <a:endParaRPr sz="3600">
+            <a:endParaRPr sz="3600" dirty="0">
               <a:latin typeface="Calibri"/>
               <a:ea typeface="Calibri"/>
               <a:cs typeface="Calibri"/>

--- a/database/slides/GLORIA_(POLKA_GLORY).pptx
+++ b/database/slides/GLORIA_(POLKA_GLORY).pptx
@@ -16150,7 +16150,7 @@
                   <a:schemeClr val="bg1"/>
                 </a:solidFill>
               </a:rPr>
-              <a:t>With the Holy Spirit, in the glory of God the Father. Amen (</a:t>
+              <a:t>With the Holy Spirit, in the glory of God the Father. </a:t>
             </a:r>
             <a:r>
               <a:rPr lang="en-US" sz="3600" b="1">
@@ -16158,7 +16158,7 @@
                   <a:schemeClr val="bg1"/>
                 </a:solidFill>
               </a:rPr>
-              <a:t>5).</a:t>
+              <a:t>Amen.</a:t>
             </a:r>
             <a:endParaRPr lang="en-US" sz="3600" b="1" dirty="0">
               <a:solidFill>
